--- a/EDA/EDA_Precio_del_vuelo.pptx
+++ b/EDA/EDA_Precio_del_vuelo.pptx
@@ -114,6 +114,11 @@
       </a:defRPr>
     </a:lvl9pPr>
   </p:defaultTextStyle>
+  <p:extLst>
+    <p:ext uri="{EFAFB233-063F-42B5-8137-9DF3F51BA10A}">
+      <p15:sldGuideLst xmlns:p15="http://schemas.microsoft.com/office/powerpoint/2012/main"/>
+    </p:ext>
+  </p:extLst>
 </p:presentation>
 </file>
 
@@ -130,12 +135,65 @@
   <pc:docChgLst>
     <pc:chgData name="Javier Lopez" userId="e4db515b9c5a22f0" providerId="LiveId" clId="{32AFB18C-6873-4BA9-B0EE-36E2AA86C103}"/>
     <pc:docChg chg="undo custSel addSld modSld">
-      <pc:chgData name="Javier Lopez" userId="e4db515b9c5a22f0" providerId="LiveId" clId="{32AFB18C-6873-4BA9-B0EE-36E2AA86C103}" dt="2023-01-16T01:01:39.909" v="807" actId="1076"/>
+      <pc:chgData name="Javier Lopez" userId="e4db515b9c5a22f0" providerId="LiveId" clId="{32AFB18C-6873-4BA9-B0EE-36E2AA86C103}" dt="2023-01-16T09:53:24.302" v="973" actId="1036"/>
       <pc:docMkLst>
         <pc:docMk/>
       </pc:docMkLst>
+      <pc:sldChg chg="modSp mod">
+        <pc:chgData name="Javier Lopez" userId="e4db515b9c5a22f0" providerId="LiveId" clId="{32AFB18C-6873-4BA9-B0EE-36E2AA86C103}" dt="2023-01-16T09:05:53.895" v="809" actId="313"/>
+        <pc:sldMkLst>
+          <pc:docMk/>
+          <pc:sldMk cId="4236715773" sldId="257"/>
+        </pc:sldMkLst>
+        <pc:spChg chg="mod">
+          <ac:chgData name="Javier Lopez" userId="e4db515b9c5a22f0" providerId="LiveId" clId="{32AFB18C-6873-4BA9-B0EE-36E2AA86C103}" dt="2023-01-16T09:05:53.895" v="809" actId="313"/>
+          <ac:spMkLst>
+            <pc:docMk/>
+            <pc:sldMk cId="4236715773" sldId="257"/>
+            <ac:spMk id="3" creationId="{EA7020C5-4DDE-30DC-EAA5-0646F52CEDED}"/>
+          </ac:spMkLst>
+        </pc:spChg>
+      </pc:sldChg>
+      <pc:sldChg chg="modSp mod">
+        <pc:chgData name="Javier Lopez" userId="e4db515b9c5a22f0" providerId="LiveId" clId="{32AFB18C-6873-4BA9-B0EE-36E2AA86C103}" dt="2023-01-16T09:06:39.079" v="810" actId="20577"/>
+        <pc:sldMkLst>
+          <pc:docMk/>
+          <pc:sldMk cId="602293645" sldId="258"/>
+        </pc:sldMkLst>
+        <pc:spChg chg="mod">
+          <ac:chgData name="Javier Lopez" userId="e4db515b9c5a22f0" providerId="LiveId" clId="{32AFB18C-6873-4BA9-B0EE-36E2AA86C103}" dt="2023-01-16T09:06:39.079" v="810" actId="20577"/>
+          <ac:spMkLst>
+            <pc:docMk/>
+            <pc:sldMk cId="602293645" sldId="258"/>
+            <ac:spMk id="7" creationId="{177ADFB5-F20E-FDDA-4DFD-436859D0DAAA}"/>
+          </ac:spMkLst>
+        </pc:spChg>
+      </pc:sldChg>
       <pc:sldChg chg="addSp delSp modSp mod">
-        <pc:chgData name="Javier Lopez" userId="e4db515b9c5a22f0" providerId="LiveId" clId="{32AFB18C-6873-4BA9-B0EE-36E2AA86C103}" dt="2023-01-16T00:48:17.787" v="86" actId="20577"/>
+        <pc:chgData name="Javier Lopez" userId="e4db515b9c5a22f0" providerId="LiveId" clId="{32AFB18C-6873-4BA9-B0EE-36E2AA86C103}" dt="2023-01-16T09:53:24.302" v="973" actId="1036"/>
+        <pc:sldMkLst>
+          <pc:docMk/>
+          <pc:sldMk cId="2267435960" sldId="261"/>
+        </pc:sldMkLst>
+        <pc:picChg chg="add mod ord">
+          <ac:chgData name="Javier Lopez" userId="e4db515b9c5a22f0" providerId="LiveId" clId="{32AFB18C-6873-4BA9-B0EE-36E2AA86C103}" dt="2023-01-16T09:53:24.302" v="973" actId="1036"/>
+          <ac:picMkLst>
+            <pc:docMk/>
+            <pc:sldMk cId="2267435960" sldId="261"/>
+            <ac:picMk id="4" creationId="{71E453D6-B04C-628D-C6DF-BC652B754579}"/>
+          </ac:picMkLst>
+        </pc:picChg>
+        <pc:picChg chg="del">
+          <ac:chgData name="Javier Lopez" userId="e4db515b9c5a22f0" providerId="LiveId" clId="{32AFB18C-6873-4BA9-B0EE-36E2AA86C103}" dt="2023-01-16T09:53:03.887" v="954" actId="478"/>
+          <ac:picMkLst>
+            <pc:docMk/>
+            <pc:sldMk cId="2267435960" sldId="261"/>
+            <ac:picMk id="8" creationId="{D5A88B13-84EF-ED95-C311-F323C23C998D}"/>
+          </ac:picMkLst>
+        </pc:picChg>
+      </pc:sldChg>
+      <pc:sldChg chg="addSp delSp modSp mod">
+        <pc:chgData name="Javier Lopez" userId="e4db515b9c5a22f0" providerId="LiveId" clId="{32AFB18C-6873-4BA9-B0EE-36E2AA86C103}" dt="2023-01-16T09:50:26.222" v="909" actId="1035"/>
         <pc:sldMkLst>
           <pc:docMk/>
           <pc:sldMk cId="3276368754" sldId="263"/>
@@ -148,6 +206,14 @@
             <ac:spMk id="6" creationId="{DD8467D8-811C-DE1A-C928-D9FA0E980B79}"/>
           </ac:spMkLst>
         </pc:spChg>
+        <pc:picChg chg="add mod ord">
+          <ac:chgData name="Javier Lopez" userId="e4db515b9c5a22f0" providerId="LiveId" clId="{32AFB18C-6873-4BA9-B0EE-36E2AA86C103}" dt="2023-01-16T09:50:26.222" v="909" actId="1035"/>
+          <ac:picMkLst>
+            <pc:docMk/>
+            <pc:sldMk cId="3276368754" sldId="263"/>
+            <ac:picMk id="4" creationId="{03B270E3-2B7D-C1E6-130B-0E2C797E4280}"/>
+          </ac:picMkLst>
+        </pc:picChg>
         <pc:picChg chg="del">
           <ac:chgData name="Javier Lopez" userId="e4db515b9c5a22f0" providerId="LiveId" clId="{32AFB18C-6873-4BA9-B0EE-36E2AA86C103}" dt="2023-01-16T00:37:33.585" v="0" actId="478"/>
           <ac:picMkLst>
@@ -156,8 +222,8 @@
             <ac:picMk id="7" creationId="{471A7C3E-F53B-BB34-5B64-2B9AC48A8415}"/>
           </ac:picMkLst>
         </pc:picChg>
-        <pc:picChg chg="add mod ord">
-          <ac:chgData name="Javier Lopez" userId="e4db515b9c5a22f0" providerId="LiveId" clId="{32AFB18C-6873-4BA9-B0EE-36E2AA86C103}" dt="2023-01-16T00:37:40.828" v="17" actId="1036"/>
+        <pc:picChg chg="add del mod ord">
+          <ac:chgData name="Javier Lopez" userId="e4db515b9c5a22f0" providerId="LiveId" clId="{32AFB18C-6873-4BA9-B0EE-36E2AA86C103}" dt="2023-01-16T09:50:14.334" v="884" actId="478"/>
           <ac:picMkLst>
             <pc:docMk/>
             <pc:sldMk cId="3276368754" sldId="263"/>
@@ -165,26 +231,73 @@
           </ac:picMkLst>
         </pc:picChg>
       </pc:sldChg>
-      <pc:sldChg chg="addSp modSp mod">
-        <pc:chgData name="Javier Lopez" userId="e4db515b9c5a22f0" providerId="LiveId" clId="{32AFB18C-6873-4BA9-B0EE-36E2AA86C103}" dt="2023-01-16T00:51:26.699" v="101" actId="20577"/>
+      <pc:sldChg chg="addSp delSp modSp mod">
+        <pc:chgData name="Javier Lopez" userId="e4db515b9c5a22f0" providerId="LiveId" clId="{32AFB18C-6873-4BA9-B0EE-36E2AA86C103}" dt="2023-01-16T09:50:34.846" v="932" actId="1035"/>
         <pc:sldMkLst>
           <pc:docMk/>
           <pc:sldMk cId="1651406020" sldId="264"/>
         </pc:sldMkLst>
         <pc:spChg chg="mod">
-          <ac:chgData name="Javier Lopez" userId="e4db515b9c5a22f0" providerId="LiveId" clId="{32AFB18C-6873-4BA9-B0EE-36E2AA86C103}" dt="2023-01-16T00:51:26.699" v="101" actId="20577"/>
+          <ac:chgData name="Javier Lopez" userId="e4db515b9c5a22f0" providerId="LiveId" clId="{32AFB18C-6873-4BA9-B0EE-36E2AA86C103}" dt="2023-01-16T09:50:34.846" v="932" actId="1035"/>
           <ac:spMkLst>
             <pc:docMk/>
             <pc:sldMk cId="1651406020" sldId="264"/>
             <ac:spMk id="6" creationId="{DD8467D8-811C-DE1A-C928-D9FA0E980B79}"/>
           </ac:spMkLst>
         </pc:spChg>
-        <pc:picChg chg="add mod">
-          <ac:chgData name="Javier Lopez" userId="e4db515b9c5a22f0" providerId="LiveId" clId="{32AFB18C-6873-4BA9-B0EE-36E2AA86C103}" dt="2023-01-16T00:49:06.371" v="91" actId="1076"/>
+        <pc:picChg chg="add del mod">
+          <ac:chgData name="Javier Lopez" userId="e4db515b9c5a22f0" providerId="LiveId" clId="{32AFB18C-6873-4BA9-B0EE-36E2AA86C103}" dt="2023-01-16T09:44:38.795" v="811" actId="478"/>
           <ac:picMkLst>
             <pc:docMk/>
             <pc:sldMk cId="1651406020" sldId="264"/>
             <ac:picMk id="4" creationId="{73F52499-FE19-FAB1-6E03-B8DC535D65F8}"/>
+          </ac:picMkLst>
+        </pc:picChg>
+        <pc:picChg chg="add del mod ord">
+          <ac:chgData name="Javier Lopez" userId="e4db515b9c5a22f0" providerId="LiveId" clId="{32AFB18C-6873-4BA9-B0EE-36E2AA86C103}" dt="2023-01-16T09:48:09.679" v="842" actId="478"/>
+          <ac:picMkLst>
+            <pc:docMk/>
+            <pc:sldMk cId="1651406020" sldId="264"/>
+            <ac:picMk id="5" creationId="{A3D7B3DC-04A7-8503-3BEE-650295C4D7CD}"/>
+          </ac:picMkLst>
+        </pc:picChg>
+        <pc:picChg chg="add del mod ord">
+          <ac:chgData name="Javier Lopez" userId="e4db515b9c5a22f0" providerId="LiveId" clId="{32AFB18C-6873-4BA9-B0EE-36E2AA86C103}" dt="2023-01-16T09:49:20.193" v="863" actId="478"/>
+          <ac:picMkLst>
+            <pc:docMk/>
+            <pc:sldMk cId="1651406020" sldId="264"/>
+            <ac:picMk id="8" creationId="{9E74BF5B-24A5-6A1E-65A7-6064B41C28BC}"/>
+          </ac:picMkLst>
+        </pc:picChg>
+        <pc:picChg chg="add mod ord">
+          <ac:chgData name="Javier Lopez" userId="e4db515b9c5a22f0" providerId="LiveId" clId="{32AFB18C-6873-4BA9-B0EE-36E2AA86C103}" dt="2023-01-16T09:49:32.371" v="883" actId="1038"/>
+          <ac:picMkLst>
+            <pc:docMk/>
+            <pc:sldMk cId="1651406020" sldId="264"/>
+            <ac:picMk id="10" creationId="{D8B88CDA-7219-992A-10A0-7BE69041B2C2}"/>
+          </ac:picMkLst>
+        </pc:picChg>
+      </pc:sldChg>
+      <pc:sldChg chg="addSp delSp modSp mod">
+        <pc:chgData name="Javier Lopez" userId="e4db515b9c5a22f0" providerId="LiveId" clId="{32AFB18C-6873-4BA9-B0EE-36E2AA86C103}" dt="2023-01-16T09:50:59.678" v="953" actId="1035"/>
+        <pc:sldMkLst>
+          <pc:docMk/>
+          <pc:sldMk cId="770220660" sldId="265"/>
+        </pc:sldMkLst>
+        <pc:picChg chg="del">
+          <ac:chgData name="Javier Lopez" userId="e4db515b9c5a22f0" providerId="LiveId" clId="{32AFB18C-6873-4BA9-B0EE-36E2AA86C103}" dt="2023-01-16T09:50:38.704" v="933" actId="478"/>
+          <ac:picMkLst>
+            <pc:docMk/>
+            <pc:sldMk cId="770220660" sldId="265"/>
+            <ac:picMk id="4" creationId="{79991EF7-4FAA-33F2-83E4-977C0F4FD087}"/>
+          </ac:picMkLst>
+        </pc:picChg>
+        <pc:picChg chg="add mod ord">
+          <ac:chgData name="Javier Lopez" userId="e4db515b9c5a22f0" providerId="LiveId" clId="{32AFB18C-6873-4BA9-B0EE-36E2AA86C103}" dt="2023-01-16T09:50:59.678" v="953" actId="1035"/>
+          <ac:picMkLst>
+            <pc:docMk/>
+            <pc:sldMk cId="770220660" sldId="265"/>
+            <ac:picMk id="5" creationId="{F35F23EE-6131-5AE6-9E9B-19EEAC4C1BF3}"/>
           </ac:picMkLst>
         </pc:picChg>
       </pc:sldChg>
@@ -379,7 +492,7 @@
           <a:p>
             <a:fld id="{8529DDF3-6622-4812-893D-07C241A6A365}" type="datetimeFigureOut">
               <a:rPr lang="es-ES" smtClean="0"/>
-              <a:t>15/01/2023</a:t>
+              <a:t>16/01/2023</a:t>
             </a:fld>
             <a:endParaRPr lang="es-ES"/>
           </a:p>
@@ -577,7 +690,7 @@
           <a:p>
             <a:fld id="{8529DDF3-6622-4812-893D-07C241A6A365}" type="datetimeFigureOut">
               <a:rPr lang="es-ES" smtClean="0"/>
-              <a:t>15/01/2023</a:t>
+              <a:t>16/01/2023</a:t>
             </a:fld>
             <a:endParaRPr lang="es-ES"/>
           </a:p>
@@ -785,7 +898,7 @@
           <a:p>
             <a:fld id="{8529DDF3-6622-4812-893D-07C241A6A365}" type="datetimeFigureOut">
               <a:rPr lang="es-ES" smtClean="0"/>
-              <a:t>15/01/2023</a:t>
+              <a:t>16/01/2023</a:t>
             </a:fld>
             <a:endParaRPr lang="es-ES"/>
           </a:p>
@@ -983,7 +1096,7 @@
           <a:p>
             <a:fld id="{8529DDF3-6622-4812-893D-07C241A6A365}" type="datetimeFigureOut">
               <a:rPr lang="es-ES" smtClean="0"/>
-              <a:t>15/01/2023</a:t>
+              <a:t>16/01/2023</a:t>
             </a:fld>
             <a:endParaRPr lang="es-ES"/>
           </a:p>
@@ -1258,7 +1371,7 @@
           <a:p>
             <a:fld id="{8529DDF3-6622-4812-893D-07C241A6A365}" type="datetimeFigureOut">
               <a:rPr lang="es-ES" smtClean="0"/>
-              <a:t>15/01/2023</a:t>
+              <a:t>16/01/2023</a:t>
             </a:fld>
             <a:endParaRPr lang="es-ES"/>
           </a:p>
@@ -1523,7 +1636,7 @@
           <a:p>
             <a:fld id="{8529DDF3-6622-4812-893D-07C241A6A365}" type="datetimeFigureOut">
               <a:rPr lang="es-ES" smtClean="0"/>
-              <a:t>15/01/2023</a:t>
+              <a:t>16/01/2023</a:t>
             </a:fld>
             <a:endParaRPr lang="es-ES"/>
           </a:p>
@@ -1935,7 +2048,7 @@
           <a:p>
             <a:fld id="{8529DDF3-6622-4812-893D-07C241A6A365}" type="datetimeFigureOut">
               <a:rPr lang="es-ES" smtClean="0"/>
-              <a:t>15/01/2023</a:t>
+              <a:t>16/01/2023</a:t>
             </a:fld>
             <a:endParaRPr lang="es-ES"/>
           </a:p>
@@ -2076,7 +2189,7 @@
           <a:p>
             <a:fld id="{8529DDF3-6622-4812-893D-07C241A6A365}" type="datetimeFigureOut">
               <a:rPr lang="es-ES" smtClean="0"/>
-              <a:t>15/01/2023</a:t>
+              <a:t>16/01/2023</a:t>
             </a:fld>
             <a:endParaRPr lang="es-ES"/>
           </a:p>
@@ -2189,7 +2302,7 @@
           <a:p>
             <a:fld id="{8529DDF3-6622-4812-893D-07C241A6A365}" type="datetimeFigureOut">
               <a:rPr lang="es-ES" smtClean="0"/>
-              <a:t>15/01/2023</a:t>
+              <a:t>16/01/2023</a:t>
             </a:fld>
             <a:endParaRPr lang="es-ES"/>
           </a:p>
@@ -2500,7 +2613,7 @@
           <a:p>
             <a:fld id="{8529DDF3-6622-4812-893D-07C241A6A365}" type="datetimeFigureOut">
               <a:rPr lang="es-ES" smtClean="0"/>
-              <a:t>15/01/2023</a:t>
+              <a:t>16/01/2023</a:t>
             </a:fld>
             <a:endParaRPr lang="es-ES"/>
           </a:p>
@@ -2788,7 +2901,7 @@
           <a:p>
             <a:fld id="{8529DDF3-6622-4812-893D-07C241A6A365}" type="datetimeFigureOut">
               <a:rPr lang="es-ES" smtClean="0"/>
-              <a:t>15/01/2023</a:t>
+              <a:t>16/01/2023</a:t>
             </a:fld>
             <a:endParaRPr lang="es-ES"/>
           </a:p>
@@ -3029,7 +3142,7 @@
           <a:p>
             <a:fld id="{8529DDF3-6622-4812-893D-07C241A6A365}" type="datetimeFigureOut">
               <a:rPr lang="es-ES" smtClean="0"/>
-              <a:t>15/01/2023</a:t>
+              <a:t>16/01/2023</a:t>
             </a:fld>
             <a:endParaRPr lang="es-ES"/>
           </a:p>
@@ -3653,93 +3766,12 @@
           <a:chExt cx="0" cy="0"/>
         </a:xfrm>
       </p:grpSpPr>
-      <p:sp>
-        <p:nvSpPr>
-          <p:cNvPr id="2" name="Título 1">
-            <a:extLst>
-              <a:ext uri="{FF2B5EF4-FFF2-40B4-BE49-F238E27FC236}">
-                <a16:creationId xmlns:a16="http://schemas.microsoft.com/office/drawing/2014/main" id="{8C2B31CA-2C81-EB8A-4B64-F721E78B1D8F}"/>
-              </a:ext>
-            </a:extLst>
-          </p:cNvPr>
-          <p:cNvSpPr>
-            <a:spLocks noGrp="1"/>
-          </p:cNvSpPr>
-          <p:nvPr>
-            <p:ph type="title"/>
-          </p:nvPr>
-        </p:nvSpPr>
-        <p:spPr/>
-        <p:txBody>
-          <a:bodyPr>
-            <a:normAutofit/>
-          </a:bodyPr>
-          <a:lstStyle/>
-          <a:p>
-            <a:r>
-              <a:rPr lang="es-ES" b="1" dirty="0"/>
-              <a:t>¿Cómo varía el precio del billete entre la clase Turista y la Business?</a:t>
-            </a:r>
-          </a:p>
-        </p:txBody>
-      </p:sp>
-      <p:sp>
-        <p:nvSpPr>
-          <p:cNvPr id="6" name="CuadroTexto 5">
-            <a:extLst>
-              <a:ext uri="{FF2B5EF4-FFF2-40B4-BE49-F238E27FC236}">
-                <a16:creationId xmlns:a16="http://schemas.microsoft.com/office/drawing/2014/main" id="{DD8467D8-811C-DE1A-C928-D9FA0E980B79}"/>
-              </a:ext>
-            </a:extLst>
-          </p:cNvPr>
-          <p:cNvSpPr txBox="1"/>
-          <p:nvPr/>
-        </p:nvSpPr>
-        <p:spPr>
-          <a:xfrm>
-            <a:off x="342900" y="6032342"/>
-            <a:ext cx="11010900" cy="369332"/>
-          </a:xfrm>
-          <a:prstGeom prst="rect">
-            <a:avLst/>
-          </a:prstGeom>
-          <a:noFill/>
-        </p:spPr>
-        <p:txBody>
-          <a:bodyPr wrap="square">
-            <a:spAutoFit/>
-          </a:bodyPr>
-          <a:lstStyle/>
-          <a:p>
-            <a:r>
-              <a:rPr lang="es-ES" dirty="0"/>
-              <a:t>El gráfico muestra que la clase </a:t>
-            </a:r>
-            <a:r>
-              <a:rPr lang="es-ES" dirty="0" err="1"/>
-              <a:t>Businnes</a:t>
-            </a:r>
-            <a:r>
-              <a:rPr lang="es-ES" dirty="0"/>
-              <a:t> es casi 7 veces más cara que la </a:t>
-            </a:r>
-            <a:r>
-              <a:rPr lang="es-ES" dirty="0" err="1"/>
-              <a:t>Economy</a:t>
-            </a:r>
-            <a:r>
-              <a:rPr lang="es-ES" dirty="0"/>
-              <a:t> </a:t>
-            </a:r>
-          </a:p>
-        </p:txBody>
-      </p:sp>
       <p:pic>
         <p:nvPicPr>
-          <p:cNvPr id="4" name="Imagen 3">
-            <a:extLst>
-              <a:ext uri="{FF2B5EF4-FFF2-40B4-BE49-F238E27FC236}">
-                <a16:creationId xmlns:a16="http://schemas.microsoft.com/office/drawing/2014/main" id="{73F52499-FE19-FAB1-6E03-B8DC535D65F8}"/>
+          <p:cNvPr id="10" name="Imagen 9">
+            <a:extLst>
+              <a:ext uri="{FF2B5EF4-FFF2-40B4-BE49-F238E27FC236}">
+                <a16:creationId xmlns:a16="http://schemas.microsoft.com/office/drawing/2014/main" id="{D8B88CDA-7219-992A-10A0-7BE69041B2C2}"/>
               </a:ext>
             </a:extLst>
           </p:cNvPr>
@@ -3756,14 +3788,95 @@
         </p:blipFill>
         <p:spPr>
           <a:xfrm>
-            <a:off x="1720233" y="1600705"/>
-            <a:ext cx="8142223" cy="4431637"/>
+            <a:off x="1421076" y="1606009"/>
+            <a:ext cx="8161468" cy="4536840"/>
           </a:xfrm>
           <a:prstGeom prst="rect">
             <a:avLst/>
           </a:prstGeom>
         </p:spPr>
       </p:pic>
+      <p:sp>
+        <p:nvSpPr>
+          <p:cNvPr id="2" name="Título 1">
+            <a:extLst>
+              <a:ext uri="{FF2B5EF4-FFF2-40B4-BE49-F238E27FC236}">
+                <a16:creationId xmlns:a16="http://schemas.microsoft.com/office/drawing/2014/main" id="{8C2B31CA-2C81-EB8A-4B64-F721E78B1D8F}"/>
+              </a:ext>
+            </a:extLst>
+          </p:cNvPr>
+          <p:cNvSpPr>
+            <a:spLocks noGrp="1"/>
+          </p:cNvSpPr>
+          <p:nvPr>
+            <p:ph type="title"/>
+          </p:nvPr>
+        </p:nvSpPr>
+        <p:spPr/>
+        <p:txBody>
+          <a:bodyPr>
+            <a:normAutofit/>
+          </a:bodyPr>
+          <a:lstStyle/>
+          <a:p>
+            <a:r>
+              <a:rPr lang="es-ES" b="1" dirty="0"/>
+              <a:t>¿Cómo varía el precio del billete entre la clase Turista y la Business?</a:t>
+            </a:r>
+          </a:p>
+        </p:txBody>
+      </p:sp>
+      <p:sp>
+        <p:nvSpPr>
+          <p:cNvPr id="6" name="CuadroTexto 5">
+            <a:extLst>
+              <a:ext uri="{FF2B5EF4-FFF2-40B4-BE49-F238E27FC236}">
+                <a16:creationId xmlns:a16="http://schemas.microsoft.com/office/drawing/2014/main" id="{DD8467D8-811C-DE1A-C928-D9FA0E980B79}"/>
+              </a:ext>
+            </a:extLst>
+          </p:cNvPr>
+          <p:cNvSpPr txBox="1"/>
+          <p:nvPr/>
+        </p:nvSpPr>
+        <p:spPr>
+          <a:xfrm>
+            <a:off x="342900" y="6321589"/>
+            <a:ext cx="11010900" cy="369332"/>
+          </a:xfrm>
+          <a:prstGeom prst="rect">
+            <a:avLst/>
+          </a:prstGeom>
+          <a:noFill/>
+        </p:spPr>
+        <p:txBody>
+          <a:bodyPr wrap="square">
+            <a:spAutoFit/>
+          </a:bodyPr>
+          <a:lstStyle/>
+          <a:p>
+            <a:r>
+              <a:rPr lang="es-ES" dirty="0"/>
+              <a:t>El gráfico muestra que la clase </a:t>
+            </a:r>
+            <a:r>
+              <a:rPr lang="es-ES" dirty="0" err="1"/>
+              <a:t>Businnes</a:t>
+            </a:r>
+            <a:r>
+              <a:rPr lang="es-ES" dirty="0"/>
+              <a:t> es casi 7 veces más cara que la </a:t>
+            </a:r>
+            <a:r>
+              <a:rPr lang="es-ES" dirty="0" err="1"/>
+              <a:t>Economy</a:t>
+            </a:r>
+            <a:r>
+              <a:rPr lang="es-ES" dirty="0"/>
+              <a:t> </a:t>
+            </a:r>
+          </a:p>
+        </p:txBody>
+      </p:sp>
     </p:spTree>
     <p:extLst>
       <p:ext uri="{BB962C8B-B14F-4D97-AF65-F5344CB8AC3E}">
@@ -4091,11 +4204,11 @@
             </a:r>
             <a:r>
               <a:rPr lang="es-ES" sz="2000" dirty="0" err="1"/>
-              <a:t>Trip"y</a:t>
+              <a:t>Trip</a:t>
             </a:r>
             <a:r>
               <a:rPr lang="es-ES" sz="2000" dirty="0"/>
-              <a:t> realizar diversas pruebas estadísticas de hipótesis para obtener información significativa del mismo.</a:t>
+              <a:t>“ y realizar diversas pruebas estadísticas de hipótesis para obtener información significativa del mismo.</a:t>
             </a:r>
           </a:p>
           <a:p>
@@ -4361,7 +4474,7 @@
             </a:pPr>
             <a:r>
               <a:rPr lang="es-ES" dirty="0"/>
-              <a:t>	-Horario de salida		-Horario de llegada	-Ciudad de destino</a:t>
+              <a:t>	-Horario de salida		-Horario de llegada		-Ciudad de destino</a:t>
             </a:r>
           </a:p>
           <a:p>
@@ -4748,10 +4861,10 @@
       </p:grpSpPr>
       <p:pic>
         <p:nvPicPr>
-          <p:cNvPr id="8" name="Imagen 7">
-            <a:extLst>
-              <a:ext uri="{FF2B5EF4-FFF2-40B4-BE49-F238E27FC236}">
-                <a16:creationId xmlns:a16="http://schemas.microsoft.com/office/drawing/2014/main" id="{D5A88B13-84EF-ED95-C311-F323C23C998D}"/>
+          <p:cNvPr id="4" name="Imagen 3">
+            <a:extLst>
+              <a:ext uri="{FF2B5EF4-FFF2-40B4-BE49-F238E27FC236}">
+                <a16:creationId xmlns:a16="http://schemas.microsoft.com/office/drawing/2014/main" id="{71E453D6-B04C-628D-C6DF-BC652B754579}"/>
               </a:ext>
             </a:extLst>
           </p:cNvPr>
@@ -4768,7 +4881,7 @@
         </p:blipFill>
         <p:spPr>
           <a:xfrm>
-            <a:off x="0" y="1649295"/>
+            <a:off x="0" y="1583982"/>
             <a:ext cx="12192000" cy="4417825"/>
           </a:xfrm>
           <a:prstGeom prst="rect">
@@ -4881,10 +4994,10 @@
       </p:grpSpPr>
       <p:pic>
         <p:nvPicPr>
-          <p:cNvPr id="4" name="Imagen 3">
-            <a:extLst>
-              <a:ext uri="{FF2B5EF4-FFF2-40B4-BE49-F238E27FC236}">
-                <a16:creationId xmlns:a16="http://schemas.microsoft.com/office/drawing/2014/main" id="{79991EF7-4FAA-33F2-83E4-977C0F4FD087}"/>
+          <p:cNvPr id="5" name="Imagen 4">
+            <a:extLst>
+              <a:ext uri="{FF2B5EF4-FFF2-40B4-BE49-F238E27FC236}">
+                <a16:creationId xmlns:a16="http://schemas.microsoft.com/office/drawing/2014/main" id="{F35F23EE-6131-5AE6-9E9B-19EEAC4C1BF3}"/>
               </a:ext>
             </a:extLst>
           </p:cNvPr>
@@ -4901,7 +5014,7 @@
         </p:blipFill>
         <p:spPr>
           <a:xfrm>
-            <a:off x="0" y="1621304"/>
+            <a:off x="0" y="1649295"/>
             <a:ext cx="12192000" cy="4417825"/>
           </a:xfrm>
           <a:prstGeom prst="rect">
@@ -5300,10 +5413,10 @@
       </p:grpSpPr>
       <p:pic>
         <p:nvPicPr>
-          <p:cNvPr id="9" name="Imagen 8">
-            <a:extLst>
-              <a:ext uri="{FF2B5EF4-FFF2-40B4-BE49-F238E27FC236}">
-                <a16:creationId xmlns:a16="http://schemas.microsoft.com/office/drawing/2014/main" id="{D6268BC2-B926-8D76-CF89-864595172AFF}"/>
+          <p:cNvPr id="4" name="Imagen 3">
+            <a:extLst>
+              <a:ext uri="{FF2B5EF4-FFF2-40B4-BE49-F238E27FC236}">
+                <a16:creationId xmlns:a16="http://schemas.microsoft.com/office/drawing/2014/main" id="{03B270E3-2B7D-C1E6-130B-0E2C797E4280}"/>
               </a:ext>
             </a:extLst>
           </p:cNvPr>
@@ -5320,7 +5433,7 @@
         </p:blipFill>
         <p:spPr>
           <a:xfrm>
-            <a:off x="0" y="1553064"/>
+            <a:off x="0" y="1637037"/>
             <a:ext cx="12192000" cy="4442338"/>
           </a:xfrm>
           <a:prstGeom prst="rect">

--- a/EDA/EDA_Precio_del_vuelo.pptx
+++ b/EDA/EDA_Precio_del_vuelo.pptx
@@ -135,7 +135,7 @@
   <pc:docChgLst>
     <pc:chgData name="Javier Lopez" userId="e4db515b9c5a22f0" providerId="LiveId" clId="{32AFB18C-6873-4BA9-B0EE-36E2AA86C103}"/>
     <pc:docChg chg="undo custSel addSld modSld">
-      <pc:chgData name="Javier Lopez" userId="e4db515b9c5a22f0" providerId="LiveId" clId="{32AFB18C-6873-4BA9-B0EE-36E2AA86C103}" dt="2023-01-16T09:53:24.302" v="973" actId="1036"/>
+      <pc:chgData name="Javier Lopez" userId="e4db515b9c5a22f0" providerId="LiveId" clId="{32AFB18C-6873-4BA9-B0EE-36E2AA86C103}" dt="2023-01-16T11:06:39.419" v="1133" actId="20577"/>
       <pc:docMkLst>
         <pc:docMk/>
       </pc:docMkLst>
@@ -169,12 +169,50 @@
           </ac:spMkLst>
         </pc:spChg>
       </pc:sldChg>
+      <pc:sldChg chg="modSp mod">
+        <pc:chgData name="Javier Lopez" userId="e4db515b9c5a22f0" providerId="LiveId" clId="{32AFB18C-6873-4BA9-B0EE-36E2AA86C103}" dt="2023-01-16T10:37:07.495" v="1033" actId="1035"/>
+        <pc:sldMkLst>
+          <pc:docMk/>
+          <pc:sldMk cId="619447542" sldId="259"/>
+        </pc:sldMkLst>
+        <pc:spChg chg="mod">
+          <ac:chgData name="Javier Lopez" userId="e4db515b9c5a22f0" providerId="LiveId" clId="{32AFB18C-6873-4BA9-B0EE-36E2AA86C103}" dt="2023-01-16T10:37:07.495" v="1033" actId="1035"/>
+          <ac:spMkLst>
+            <pc:docMk/>
+            <pc:sldMk cId="619447542" sldId="259"/>
+            <ac:spMk id="2" creationId="{8C2B31CA-2C81-EB8A-4B64-F721E78B1D8F}"/>
+          </ac:spMkLst>
+        </pc:spChg>
+      </pc:sldChg>
+      <pc:sldChg chg="modSp mod">
+        <pc:chgData name="Javier Lopez" userId="e4db515b9c5a22f0" providerId="LiveId" clId="{32AFB18C-6873-4BA9-B0EE-36E2AA86C103}" dt="2023-01-16T10:37:14.407" v="1046" actId="1035"/>
+        <pc:sldMkLst>
+          <pc:docMk/>
+          <pc:sldMk cId="1316678082" sldId="260"/>
+        </pc:sldMkLst>
+        <pc:spChg chg="mod">
+          <ac:chgData name="Javier Lopez" userId="e4db515b9c5a22f0" providerId="LiveId" clId="{32AFB18C-6873-4BA9-B0EE-36E2AA86C103}" dt="2023-01-16T10:37:14.407" v="1046" actId="1035"/>
+          <ac:spMkLst>
+            <pc:docMk/>
+            <pc:sldMk cId="1316678082" sldId="260"/>
+            <ac:spMk id="2" creationId="{8C2B31CA-2C81-EB8A-4B64-F721E78B1D8F}"/>
+          </ac:spMkLst>
+        </pc:spChg>
+      </pc:sldChg>
       <pc:sldChg chg="addSp delSp modSp mod">
-        <pc:chgData name="Javier Lopez" userId="e4db515b9c5a22f0" providerId="LiveId" clId="{32AFB18C-6873-4BA9-B0EE-36E2AA86C103}" dt="2023-01-16T09:53:24.302" v="973" actId="1036"/>
+        <pc:chgData name="Javier Lopez" userId="e4db515b9c5a22f0" providerId="LiveId" clId="{32AFB18C-6873-4BA9-B0EE-36E2AA86C103}" dt="2023-01-16T10:37:21.303" v="1063" actId="1035"/>
         <pc:sldMkLst>
           <pc:docMk/>
           <pc:sldMk cId="2267435960" sldId="261"/>
         </pc:sldMkLst>
+        <pc:spChg chg="mod">
+          <ac:chgData name="Javier Lopez" userId="e4db515b9c5a22f0" providerId="LiveId" clId="{32AFB18C-6873-4BA9-B0EE-36E2AA86C103}" dt="2023-01-16T10:37:21.303" v="1063" actId="1035"/>
+          <ac:spMkLst>
+            <pc:docMk/>
+            <pc:sldMk cId="2267435960" sldId="261"/>
+            <ac:spMk id="2" creationId="{8C2B31CA-2C81-EB8A-4B64-F721E78B1D8F}"/>
+          </ac:spMkLst>
+        </pc:spChg>
         <pc:picChg chg="add mod ord">
           <ac:chgData name="Javier Lopez" userId="e4db515b9c5a22f0" providerId="LiveId" clId="{32AFB18C-6873-4BA9-B0EE-36E2AA86C103}" dt="2023-01-16T09:53:24.302" v="973" actId="1036"/>
           <ac:picMkLst>
@@ -193,11 +231,50 @@
         </pc:picChg>
       </pc:sldChg>
       <pc:sldChg chg="addSp delSp modSp mod">
-        <pc:chgData name="Javier Lopez" userId="e4db515b9c5a22f0" providerId="LiveId" clId="{32AFB18C-6873-4BA9-B0EE-36E2AA86C103}" dt="2023-01-16T09:50:26.222" v="909" actId="1035"/>
+        <pc:chgData name="Javier Lopez" userId="e4db515b9c5a22f0" providerId="LiveId" clId="{32AFB18C-6873-4BA9-B0EE-36E2AA86C103}" dt="2023-01-16T10:37:35.817" v="1093" actId="1035"/>
+        <pc:sldMkLst>
+          <pc:docMk/>
+          <pc:sldMk cId="1042344075" sldId="262"/>
+        </pc:sldMkLst>
+        <pc:spChg chg="mod">
+          <ac:chgData name="Javier Lopez" userId="e4db515b9c5a22f0" providerId="LiveId" clId="{32AFB18C-6873-4BA9-B0EE-36E2AA86C103}" dt="2023-01-16T10:37:35.817" v="1093" actId="1035"/>
+          <ac:spMkLst>
+            <pc:docMk/>
+            <pc:sldMk cId="1042344075" sldId="262"/>
+            <ac:spMk id="2" creationId="{8C2B31CA-2C81-EB8A-4B64-F721E78B1D8F}"/>
+          </ac:spMkLst>
+        </pc:spChg>
+        <pc:picChg chg="add mod ord">
+          <ac:chgData name="Javier Lopez" userId="e4db515b9c5a22f0" providerId="LiveId" clId="{32AFB18C-6873-4BA9-B0EE-36E2AA86C103}" dt="2023-01-16T10:28:40.728" v="1001" actId="1036"/>
+          <ac:picMkLst>
+            <pc:docMk/>
+            <pc:sldMk cId="1042344075" sldId="262"/>
+            <ac:picMk id="4" creationId="{3A366E7F-A61E-FF86-193A-853321016D37}"/>
+          </ac:picMkLst>
+        </pc:picChg>
+        <pc:picChg chg="del">
+          <ac:chgData name="Javier Lopez" userId="e4db515b9c5a22f0" providerId="LiveId" clId="{32AFB18C-6873-4BA9-B0EE-36E2AA86C103}" dt="2023-01-16T10:28:27.008" v="974" actId="478"/>
+          <ac:picMkLst>
+            <pc:docMk/>
+            <pc:sldMk cId="1042344075" sldId="262"/>
+            <ac:picMk id="16" creationId="{428CEDE9-D7BC-253D-6905-A6558BBC7481}"/>
+          </ac:picMkLst>
+        </pc:picChg>
+      </pc:sldChg>
+      <pc:sldChg chg="addSp delSp modSp mod">
+        <pc:chgData name="Javier Lopez" userId="e4db515b9c5a22f0" providerId="LiveId" clId="{32AFB18C-6873-4BA9-B0EE-36E2AA86C103}" dt="2023-01-16T10:37:43.686" v="1110" actId="1035"/>
         <pc:sldMkLst>
           <pc:docMk/>
           <pc:sldMk cId="3276368754" sldId="263"/>
         </pc:sldMkLst>
+        <pc:spChg chg="mod">
+          <ac:chgData name="Javier Lopez" userId="e4db515b9c5a22f0" providerId="LiveId" clId="{32AFB18C-6873-4BA9-B0EE-36E2AA86C103}" dt="2023-01-16T10:37:43.686" v="1110" actId="1035"/>
+          <ac:spMkLst>
+            <pc:docMk/>
+            <pc:sldMk cId="3276368754" sldId="263"/>
+            <ac:spMk id="2" creationId="{8C2B31CA-2C81-EB8A-4B64-F721E78B1D8F}"/>
+          </ac:spMkLst>
+        </pc:spChg>
         <pc:spChg chg="mod">
           <ac:chgData name="Javier Lopez" userId="e4db515b9c5a22f0" providerId="LiveId" clId="{32AFB18C-6873-4BA9-B0EE-36E2AA86C103}" dt="2023-01-16T00:48:17.787" v="86" actId="20577"/>
           <ac:spMkLst>
@@ -232,11 +309,19 @@
         </pc:picChg>
       </pc:sldChg>
       <pc:sldChg chg="addSp delSp modSp mod">
-        <pc:chgData name="Javier Lopez" userId="e4db515b9c5a22f0" providerId="LiveId" clId="{32AFB18C-6873-4BA9-B0EE-36E2AA86C103}" dt="2023-01-16T09:50:34.846" v="932" actId="1035"/>
+        <pc:chgData name="Javier Lopez" userId="e4db515b9c5a22f0" providerId="LiveId" clId="{32AFB18C-6873-4BA9-B0EE-36E2AA86C103}" dt="2023-01-16T10:37:50.553" v="1131" actId="1036"/>
         <pc:sldMkLst>
           <pc:docMk/>
           <pc:sldMk cId="1651406020" sldId="264"/>
         </pc:sldMkLst>
+        <pc:spChg chg="mod">
+          <ac:chgData name="Javier Lopez" userId="e4db515b9c5a22f0" providerId="LiveId" clId="{32AFB18C-6873-4BA9-B0EE-36E2AA86C103}" dt="2023-01-16T10:37:50.553" v="1131" actId="1036"/>
+          <ac:spMkLst>
+            <pc:docMk/>
+            <pc:sldMk cId="1651406020" sldId="264"/>
+            <ac:spMk id="2" creationId="{8C2B31CA-2C81-EB8A-4B64-F721E78B1D8F}"/>
+          </ac:spMkLst>
+        </pc:spChg>
         <pc:spChg chg="mod">
           <ac:chgData name="Javier Lopez" userId="e4db515b9c5a22f0" providerId="LiveId" clId="{32AFB18C-6873-4BA9-B0EE-36E2AA86C103}" dt="2023-01-16T09:50:34.846" v="932" actId="1035"/>
           <ac:spMkLst>
@@ -279,11 +364,19 @@
         </pc:picChg>
       </pc:sldChg>
       <pc:sldChg chg="addSp delSp modSp mod">
-        <pc:chgData name="Javier Lopez" userId="e4db515b9c5a22f0" providerId="LiveId" clId="{32AFB18C-6873-4BA9-B0EE-36E2AA86C103}" dt="2023-01-16T09:50:59.678" v="953" actId="1035"/>
+        <pc:chgData name="Javier Lopez" userId="e4db515b9c5a22f0" providerId="LiveId" clId="{32AFB18C-6873-4BA9-B0EE-36E2AA86C103}" dt="2023-01-16T10:37:29.417" v="1077" actId="1035"/>
         <pc:sldMkLst>
           <pc:docMk/>
           <pc:sldMk cId="770220660" sldId="265"/>
         </pc:sldMkLst>
+        <pc:spChg chg="mod">
+          <ac:chgData name="Javier Lopez" userId="e4db515b9c5a22f0" providerId="LiveId" clId="{32AFB18C-6873-4BA9-B0EE-36E2AA86C103}" dt="2023-01-16T10:37:29.417" v="1077" actId="1035"/>
+          <ac:spMkLst>
+            <pc:docMk/>
+            <pc:sldMk cId="770220660" sldId="265"/>
+            <ac:spMk id="2" creationId="{8C2B31CA-2C81-EB8A-4B64-F721E78B1D8F}"/>
+          </ac:spMkLst>
+        </pc:spChg>
         <pc:picChg chg="del">
           <ac:chgData name="Javier Lopez" userId="e4db515b9c5a22f0" providerId="LiveId" clId="{32AFB18C-6873-4BA9-B0EE-36E2AA86C103}" dt="2023-01-16T09:50:38.704" v="933" actId="478"/>
           <ac:picMkLst>
@@ -302,7 +395,7 @@
         </pc:picChg>
       </pc:sldChg>
       <pc:sldChg chg="addSp delSp modSp add mod">
-        <pc:chgData name="Javier Lopez" userId="e4db515b9c5a22f0" providerId="LiveId" clId="{32AFB18C-6873-4BA9-B0EE-36E2AA86C103}" dt="2023-01-16T01:01:39.909" v="807" actId="1076"/>
+        <pc:chgData name="Javier Lopez" userId="e4db515b9c5a22f0" providerId="LiveId" clId="{32AFB18C-6873-4BA9-B0EE-36E2AA86C103}" dt="2023-01-16T11:06:39.419" v="1133" actId="20577"/>
         <pc:sldMkLst>
           <pc:docMk/>
           <pc:sldMk cId="1798003000" sldId="266"/>
@@ -324,7 +417,7 @@
           </ac:spMkLst>
         </pc:spChg>
         <pc:spChg chg="add del mod">
-          <ac:chgData name="Javier Lopez" userId="e4db515b9c5a22f0" providerId="LiveId" clId="{32AFB18C-6873-4BA9-B0EE-36E2AA86C103}" dt="2023-01-16T01:01:08.699" v="756" actId="20577"/>
+          <ac:chgData name="Javier Lopez" userId="e4db515b9c5a22f0" providerId="LiveId" clId="{32AFB18C-6873-4BA9-B0EE-36E2AA86C103}" dt="2023-01-16T11:06:39.419" v="1133" actId="20577"/>
           <ac:spMkLst>
             <pc:docMk/>
             <pc:sldMk cId="1798003000" sldId="266"/>
@@ -3812,7 +3905,12 @@
             <p:ph type="title"/>
           </p:nvPr>
         </p:nvSpPr>
-        <p:spPr/>
+        <p:spPr>
+          <a:xfrm>
+            <a:off x="838200" y="94540"/>
+            <a:ext cx="10515600" cy="1325563"/>
+          </a:xfrm>
+        </p:spPr>
         <p:txBody>
           <a:bodyPr>
             <a:normAutofit/>
@@ -4029,7 +4127,15 @@
             </a:pPr>
             <a:r>
               <a:rPr lang="es-ES" dirty="0"/>
-              <a:t>Y sí viejas en Business…. No te hacen falta consejos</a:t>
+              <a:t>Y </a:t>
+            </a:r>
+            <a:r>
+              <a:rPr lang="es-ES"/>
+              <a:t>sí viajas </a:t>
+            </a:r>
+            <a:r>
+              <a:rPr lang="es-ES" dirty="0"/>
+              <a:t>en Business…. No te hacen falta consejos</a:t>
             </a:r>
           </a:p>
           <a:p>
@@ -4543,7 +4649,12 @@
             <p:ph type="title"/>
           </p:nvPr>
         </p:nvSpPr>
-        <p:spPr/>
+        <p:spPr>
+          <a:xfrm>
+            <a:off x="838200" y="215830"/>
+            <a:ext cx="10515600" cy="1325563"/>
+          </a:xfrm>
+        </p:spPr>
         <p:txBody>
           <a:bodyPr/>
           <a:lstStyle/>
@@ -4690,7 +4801,12 @@
             <p:ph type="title"/>
           </p:nvPr>
         </p:nvSpPr>
-        <p:spPr/>
+        <p:spPr>
+          <a:xfrm>
+            <a:off x="838200" y="-26765"/>
+            <a:ext cx="10515600" cy="1325563"/>
+          </a:xfrm>
+        </p:spPr>
         <p:txBody>
           <a:bodyPr>
             <a:normAutofit fontScale="90000"/>
@@ -4905,7 +5021,12 @@
             <p:ph type="title"/>
           </p:nvPr>
         </p:nvSpPr>
-        <p:spPr/>
+        <p:spPr>
+          <a:xfrm>
+            <a:off x="838200" y="94534"/>
+            <a:ext cx="10515600" cy="1325563"/>
+          </a:xfrm>
+        </p:spPr>
         <p:txBody>
           <a:bodyPr>
             <a:normAutofit fontScale="90000"/>
@@ -5038,7 +5159,12 @@
             <p:ph type="title"/>
           </p:nvPr>
         </p:nvSpPr>
-        <p:spPr/>
+        <p:spPr>
+          <a:xfrm>
+            <a:off x="838200" y="122527"/>
+            <a:ext cx="10515600" cy="1325563"/>
+          </a:xfrm>
+        </p:spPr>
         <p:txBody>
           <a:bodyPr>
             <a:normAutofit fontScale="90000"/>
@@ -5127,10 +5253,10 @@
       </p:grpSpPr>
       <p:pic>
         <p:nvPicPr>
-          <p:cNvPr id="16" name="Imagen 15">
-            <a:extLst>
-              <a:ext uri="{FF2B5EF4-FFF2-40B4-BE49-F238E27FC236}">
-                <a16:creationId xmlns:a16="http://schemas.microsoft.com/office/drawing/2014/main" id="{428CEDE9-D7BC-253D-6905-A6558BBC7481}"/>
+          <p:cNvPr id="4" name="Imagen 3">
+            <a:extLst>
+              <a:ext uri="{FF2B5EF4-FFF2-40B4-BE49-F238E27FC236}">
+                <a16:creationId xmlns:a16="http://schemas.microsoft.com/office/drawing/2014/main" id="{3A366E7F-A61E-FF86-193A-853321016D37}"/>
               </a:ext>
             </a:extLst>
           </p:cNvPr>
@@ -5147,7 +5273,7 @@
         </p:blipFill>
         <p:spPr>
           <a:xfrm>
-            <a:off x="0" y="1553070"/>
+            <a:off x="0" y="1515742"/>
             <a:ext cx="12192000" cy="4442338"/>
           </a:xfrm>
           <a:prstGeom prst="rect">
@@ -5171,7 +5297,12 @@
             <p:ph type="title"/>
           </p:nvPr>
         </p:nvSpPr>
-        <p:spPr/>
+        <p:spPr>
+          <a:xfrm>
+            <a:off x="838200" y="131856"/>
+            <a:ext cx="10515600" cy="1325563"/>
+          </a:xfrm>
+        </p:spPr>
         <p:txBody>
           <a:bodyPr>
             <a:normAutofit/>
@@ -5457,7 +5588,12 @@
             <p:ph type="title"/>
           </p:nvPr>
         </p:nvSpPr>
-        <p:spPr/>
+        <p:spPr>
+          <a:xfrm>
+            <a:off x="838200" y="122525"/>
+            <a:ext cx="10515600" cy="1325563"/>
+          </a:xfrm>
+        </p:spPr>
         <p:txBody>
           <a:bodyPr>
             <a:normAutofit/>
